--- a/attach/MPD.pptx
+++ b/attach/MPD.pptx
@@ -810,7 +810,7 @@
           <a:p>
             <a:fld id="{82F288E0-7875-42C4-84C8-98DBBD3BF4D2}" type="datetimeFigureOut">
               <a:rPr lang="zh-CN" altLang="en-US" smtClean="0"/>
-              <a:t>2017/5/16</a:t>
+              <a:t>2017/7/4</a:t>
             </a:fld>
             <a:endParaRPr lang="zh-CN" altLang="en-US"/>
           </a:p>
@@ -5328,31 +5328,7 @@
                 <a:latin typeface="微软雅黑" panose="020B0503020204020204" pitchFamily="34" charset="-122"/>
                 <a:ea typeface="微软雅黑" panose="020B0503020204020204" pitchFamily="34" charset="-122"/>
               </a:rPr>
-              <a:t>人员</a:t>
-            </a:r>
-            <a:r>
-              <a:rPr lang="zh-CN" altLang="en-US" dirty="0" smtClean="0">
-                <a:solidFill>
-                  <a:schemeClr val="accent5">
-                    <a:lumMod val="50000"/>
-                  </a:schemeClr>
-                </a:solidFill>
-                <a:latin typeface="微软雅黑" panose="020B0503020204020204" pitchFamily="34" charset="-122"/>
-                <a:ea typeface="微软雅黑" panose="020B0503020204020204" pitchFamily="34" charset="-122"/>
-              </a:rPr>
-              <a:t>的添加并未带来开发效率的</a:t>
-            </a:r>
-            <a:r>
-              <a:rPr lang="zh-CN" altLang="en-US" dirty="0" smtClean="0">
-                <a:solidFill>
-                  <a:schemeClr val="accent5">
-                    <a:lumMod val="50000"/>
-                  </a:schemeClr>
-                </a:solidFill>
-                <a:latin typeface="微软雅黑" panose="020B0503020204020204" pitchFamily="34" charset="-122"/>
-                <a:ea typeface="微软雅黑" panose="020B0503020204020204" pitchFamily="34" charset="-122"/>
-              </a:rPr>
-              <a:t>提升</a:t>
+              <a:t>人员的添加并未带来开发效率的提升</a:t>
             </a:r>
             <a:endParaRPr lang="en-US" altLang="zh-CN" dirty="0" smtClean="0">
               <a:solidFill>
